--- a/7강-강의준비20151216(Multiple Regreesion).pptx
+++ b/7강-강의준비20151216(Multiple Regreesion).pptx
@@ -9006,8 +9006,8 @@
     <dgm:cxn modelId="{A8B63867-30A5-460D-BC86-D95D4B8D18D5}" type="presOf" srcId="{E786FB4A-D5AE-47E9-9B47-2078CE76F805}" destId="{AEB25965-2895-46D7-B119-79B0D20AD861}" srcOrd="0" destOrd="0" presId="urn:microsoft.com/office/officeart/2005/8/layout/vList2"/>
     <dgm:cxn modelId="{3B348A04-D941-4F44-9FE9-50D802BCC05F}" type="presOf" srcId="{7CEF9FBE-3668-4EF6-9127-9BF5C938712D}" destId="{BA91EADA-3119-45FE-9E76-E2E86CF9130F}" srcOrd="0" destOrd="0" presId="urn:microsoft.com/office/officeart/2005/8/layout/vList2"/>
     <dgm:cxn modelId="{619DD8B3-5028-4AA9-BE7D-900B7E423779}" srcId="{B139C8CB-1037-480F-B7FE-1EE949F240B3}" destId="{EF1306BB-6700-4C76-B6B4-D2B8557372EC}" srcOrd="1" destOrd="0" parTransId="{737EB2A5-2C50-41C0-B1CE-73B3F0F62929}" sibTransId="{D1018B08-23A2-4AFE-8F01-531C87F2F177}"/>
+    <dgm:cxn modelId="{DF4231E5-94E4-4051-8BA4-70DA24BE02AE}" srcId="{B139C8CB-1037-480F-B7FE-1EE949F240B3}" destId="{E786FB4A-D5AE-47E9-9B47-2078CE76F805}" srcOrd="3" destOrd="0" parTransId="{2E2BB412-EA92-4C0A-9B20-0DBEC93A33BC}" sibTransId="{BFA01344-1B9C-4CE7-A845-C3962E971497}"/>
     <dgm:cxn modelId="{C7E47279-8CE4-41DA-A10D-CB824763593C}" type="presOf" srcId="{B139C8CB-1037-480F-B7FE-1EE949F240B3}" destId="{61D470FD-3709-4BF2-8C0B-C5507B4B2088}" srcOrd="0" destOrd="0" presId="urn:microsoft.com/office/officeart/2005/8/layout/vList2"/>
-    <dgm:cxn modelId="{DF4231E5-94E4-4051-8BA4-70DA24BE02AE}" srcId="{B139C8CB-1037-480F-B7FE-1EE949F240B3}" destId="{E786FB4A-D5AE-47E9-9B47-2078CE76F805}" srcOrd="3" destOrd="0" parTransId="{2E2BB412-EA92-4C0A-9B20-0DBEC93A33BC}" sibTransId="{BFA01344-1B9C-4CE7-A845-C3962E971497}"/>
     <dgm:cxn modelId="{36082E8F-0D01-42B1-9E81-BEF1D1005431}" type="presOf" srcId="{79B86E32-5535-4CE8-A696-9A061C4BF197}" destId="{BD6740EE-807A-4D98-B21B-41BF13D15E5D}" srcOrd="0" destOrd="1" presId="urn:microsoft.com/office/officeart/2005/8/layout/vList2"/>
     <dgm:cxn modelId="{00960156-1169-4481-9B07-F8DE86E047D6}" srcId="{575270B3-0F53-4448-8224-29F73370B52E}" destId="{79B86E32-5535-4CE8-A696-9A061C4BF197}" srcOrd="1" destOrd="0" parTransId="{DDB9B5A3-3EE7-44F6-B12A-BC4F571B9BF1}" sibTransId="{FBA68E70-6AFA-44C0-81ED-F0746BC337AE}"/>
     <dgm:cxn modelId="{AC5552EC-7155-4A04-9D74-08500B7FDF8F}" type="presParOf" srcId="{61D470FD-3709-4BF2-8C0B-C5507B4B2088}" destId="{BA91EADA-3119-45FE-9E76-E2E86CF9130F}" srcOrd="0" destOrd="0" presId="urn:microsoft.com/office/officeart/2005/8/layout/vList2"/>
@@ -10292,8 +10292,8 @@
     <dgm:cxn modelId="{A8B63867-30A5-460D-BC86-D95D4B8D18D5}" type="presOf" srcId="{E786FB4A-D5AE-47E9-9B47-2078CE76F805}" destId="{AEB25965-2895-46D7-B119-79B0D20AD861}" srcOrd="0" destOrd="0" presId="urn:microsoft.com/office/officeart/2005/8/layout/vList2"/>
     <dgm:cxn modelId="{3B348A04-D941-4F44-9FE9-50D802BCC05F}" type="presOf" srcId="{7CEF9FBE-3668-4EF6-9127-9BF5C938712D}" destId="{BA91EADA-3119-45FE-9E76-E2E86CF9130F}" srcOrd="0" destOrd="0" presId="urn:microsoft.com/office/officeart/2005/8/layout/vList2"/>
     <dgm:cxn modelId="{619DD8B3-5028-4AA9-BE7D-900B7E423779}" srcId="{B139C8CB-1037-480F-B7FE-1EE949F240B3}" destId="{EF1306BB-6700-4C76-B6B4-D2B8557372EC}" srcOrd="1" destOrd="0" parTransId="{737EB2A5-2C50-41C0-B1CE-73B3F0F62929}" sibTransId="{D1018B08-23A2-4AFE-8F01-531C87F2F177}"/>
+    <dgm:cxn modelId="{DF4231E5-94E4-4051-8BA4-70DA24BE02AE}" srcId="{B139C8CB-1037-480F-B7FE-1EE949F240B3}" destId="{E786FB4A-D5AE-47E9-9B47-2078CE76F805}" srcOrd="3" destOrd="0" parTransId="{2E2BB412-EA92-4C0A-9B20-0DBEC93A33BC}" sibTransId="{BFA01344-1B9C-4CE7-A845-C3962E971497}"/>
     <dgm:cxn modelId="{C7E47279-8CE4-41DA-A10D-CB824763593C}" type="presOf" srcId="{B139C8CB-1037-480F-B7FE-1EE949F240B3}" destId="{61D470FD-3709-4BF2-8C0B-C5507B4B2088}" srcOrd="0" destOrd="0" presId="urn:microsoft.com/office/officeart/2005/8/layout/vList2"/>
-    <dgm:cxn modelId="{DF4231E5-94E4-4051-8BA4-70DA24BE02AE}" srcId="{B139C8CB-1037-480F-B7FE-1EE949F240B3}" destId="{E786FB4A-D5AE-47E9-9B47-2078CE76F805}" srcOrd="3" destOrd="0" parTransId="{2E2BB412-EA92-4C0A-9B20-0DBEC93A33BC}" sibTransId="{BFA01344-1B9C-4CE7-A845-C3962E971497}"/>
     <dgm:cxn modelId="{36082E8F-0D01-42B1-9E81-BEF1D1005431}" type="presOf" srcId="{79B86E32-5535-4CE8-A696-9A061C4BF197}" destId="{BD6740EE-807A-4D98-B21B-41BF13D15E5D}" srcOrd="0" destOrd="1" presId="urn:microsoft.com/office/officeart/2005/8/layout/vList2"/>
     <dgm:cxn modelId="{00960156-1169-4481-9B07-F8DE86E047D6}" srcId="{575270B3-0F53-4448-8224-29F73370B52E}" destId="{79B86E32-5535-4CE8-A696-9A061C4BF197}" srcOrd="1" destOrd="0" parTransId="{DDB9B5A3-3EE7-44F6-B12A-BC4F571B9BF1}" sibTransId="{FBA68E70-6AFA-44C0-81ED-F0746BC337AE}"/>
     <dgm:cxn modelId="{AC5552EC-7155-4A04-9D74-08500B7FDF8F}" type="presParOf" srcId="{61D470FD-3709-4BF2-8C0B-C5507B4B2088}" destId="{BA91EADA-3119-45FE-9E76-E2E86CF9130F}" srcOrd="0" destOrd="0" presId="urn:microsoft.com/office/officeart/2005/8/layout/vList2"/>
@@ -10749,8 +10749,8 @@
     <dgm:cxn modelId="{A8B63867-30A5-460D-BC86-D95D4B8D18D5}" type="presOf" srcId="{E786FB4A-D5AE-47E9-9B47-2078CE76F805}" destId="{AEB25965-2895-46D7-B119-79B0D20AD861}" srcOrd="0" destOrd="0" presId="urn:microsoft.com/office/officeart/2005/8/layout/vList2"/>
     <dgm:cxn modelId="{3B348A04-D941-4F44-9FE9-50D802BCC05F}" type="presOf" srcId="{7CEF9FBE-3668-4EF6-9127-9BF5C938712D}" destId="{BA91EADA-3119-45FE-9E76-E2E86CF9130F}" srcOrd="0" destOrd="0" presId="urn:microsoft.com/office/officeart/2005/8/layout/vList2"/>
     <dgm:cxn modelId="{619DD8B3-5028-4AA9-BE7D-900B7E423779}" srcId="{B139C8CB-1037-480F-B7FE-1EE949F240B3}" destId="{EF1306BB-6700-4C76-B6B4-D2B8557372EC}" srcOrd="1" destOrd="0" parTransId="{737EB2A5-2C50-41C0-B1CE-73B3F0F62929}" sibTransId="{D1018B08-23A2-4AFE-8F01-531C87F2F177}"/>
+    <dgm:cxn modelId="{DF4231E5-94E4-4051-8BA4-70DA24BE02AE}" srcId="{B139C8CB-1037-480F-B7FE-1EE949F240B3}" destId="{E786FB4A-D5AE-47E9-9B47-2078CE76F805}" srcOrd="3" destOrd="0" parTransId="{2E2BB412-EA92-4C0A-9B20-0DBEC93A33BC}" sibTransId="{BFA01344-1B9C-4CE7-A845-C3962E971497}"/>
     <dgm:cxn modelId="{C7E47279-8CE4-41DA-A10D-CB824763593C}" type="presOf" srcId="{B139C8CB-1037-480F-B7FE-1EE949F240B3}" destId="{61D470FD-3709-4BF2-8C0B-C5507B4B2088}" srcOrd="0" destOrd="0" presId="urn:microsoft.com/office/officeart/2005/8/layout/vList2"/>
-    <dgm:cxn modelId="{DF4231E5-94E4-4051-8BA4-70DA24BE02AE}" srcId="{B139C8CB-1037-480F-B7FE-1EE949F240B3}" destId="{E786FB4A-D5AE-47E9-9B47-2078CE76F805}" srcOrd="3" destOrd="0" parTransId="{2E2BB412-EA92-4C0A-9B20-0DBEC93A33BC}" sibTransId="{BFA01344-1B9C-4CE7-A845-C3962E971497}"/>
     <dgm:cxn modelId="{36082E8F-0D01-42B1-9E81-BEF1D1005431}" type="presOf" srcId="{79B86E32-5535-4CE8-A696-9A061C4BF197}" destId="{BD6740EE-807A-4D98-B21B-41BF13D15E5D}" srcOrd="0" destOrd="1" presId="urn:microsoft.com/office/officeart/2005/8/layout/vList2"/>
     <dgm:cxn modelId="{00960156-1169-4481-9B07-F8DE86E047D6}" srcId="{575270B3-0F53-4448-8224-29F73370B52E}" destId="{79B86E32-5535-4CE8-A696-9A061C4BF197}" srcOrd="1" destOrd="0" parTransId="{DDB9B5A3-3EE7-44F6-B12A-BC4F571B9BF1}" sibTransId="{FBA68E70-6AFA-44C0-81ED-F0746BC337AE}"/>
     <dgm:cxn modelId="{AC5552EC-7155-4A04-9D74-08500B7FDF8F}" type="presParOf" srcId="{61D470FD-3709-4BF2-8C0B-C5507B4B2088}" destId="{BA91EADA-3119-45FE-9E76-E2E86CF9130F}" srcOrd="0" destOrd="0" presId="urn:microsoft.com/office/officeart/2005/8/layout/vList2"/>
@@ -10841,16 +10841,7 @@
               </a:solidFill>
               <a:effectLst/>
             </a:rPr>
-            <a:t>모델 </a:t>
-          </a:r>
-          <a:r>
-            <a:rPr lang="ko-KR" altLang="en-US" b="0" dirty="0" smtClean="0">
-              <a:solidFill>
-                <a:schemeClr val="tx1"/>
-              </a:solidFill>
-              <a:effectLst/>
-            </a:rPr>
-            <a:t>검증</a:t>
+            <a:t>모델 검증</a:t>
           </a:r>
           <a:endParaRPr lang="ko-KR" altLang="en-US" b="0" dirty="0">
             <a:solidFill>
@@ -11290,22 +11281,7 @@
                 </a:outerShdw>
               </a:effectLst>
             </a:rPr>
-            <a:t>모델 </a:t>
-          </a:r>
-          <a:r>
-            <a:rPr lang="ko-KR" altLang="en-US" b="1" dirty="0" smtClean="0">
-              <a:solidFill>
-                <a:srgbClr val="FF0000"/>
-              </a:solidFill>
-              <a:effectLst>
-                <a:outerShdw blurRad="38100" dist="38100" dir="2700000" algn="tl">
-                  <a:srgbClr val="000000">
-                    <a:alpha val="43137"/>
-                  </a:srgbClr>
-                </a:outerShdw>
-              </a:effectLst>
-            </a:rPr>
-            <a:t>검증</a:t>
+            <a:t>모델 검증</a:t>
           </a:r>
           <a:endParaRPr lang="ko-KR" altLang="en-US" b="1" dirty="0">
             <a:solidFill>
@@ -12514,8 +12490,8 @@
     <dgm:cxn modelId="{A8B63867-30A5-460D-BC86-D95D4B8D18D5}" type="presOf" srcId="{E786FB4A-D5AE-47E9-9B47-2078CE76F805}" destId="{AEB25965-2895-46D7-B119-79B0D20AD861}" srcOrd="0" destOrd="0" presId="urn:microsoft.com/office/officeart/2005/8/layout/vList2"/>
     <dgm:cxn modelId="{3B348A04-D941-4F44-9FE9-50D802BCC05F}" type="presOf" srcId="{7CEF9FBE-3668-4EF6-9127-9BF5C938712D}" destId="{BA91EADA-3119-45FE-9E76-E2E86CF9130F}" srcOrd="0" destOrd="0" presId="urn:microsoft.com/office/officeart/2005/8/layout/vList2"/>
     <dgm:cxn modelId="{619DD8B3-5028-4AA9-BE7D-900B7E423779}" srcId="{B139C8CB-1037-480F-B7FE-1EE949F240B3}" destId="{EF1306BB-6700-4C76-B6B4-D2B8557372EC}" srcOrd="1" destOrd="0" parTransId="{737EB2A5-2C50-41C0-B1CE-73B3F0F62929}" sibTransId="{D1018B08-23A2-4AFE-8F01-531C87F2F177}"/>
+    <dgm:cxn modelId="{DF4231E5-94E4-4051-8BA4-70DA24BE02AE}" srcId="{B139C8CB-1037-480F-B7FE-1EE949F240B3}" destId="{E786FB4A-D5AE-47E9-9B47-2078CE76F805}" srcOrd="3" destOrd="0" parTransId="{2E2BB412-EA92-4C0A-9B20-0DBEC93A33BC}" sibTransId="{BFA01344-1B9C-4CE7-A845-C3962E971497}"/>
     <dgm:cxn modelId="{C7E47279-8CE4-41DA-A10D-CB824763593C}" type="presOf" srcId="{B139C8CB-1037-480F-B7FE-1EE949F240B3}" destId="{61D470FD-3709-4BF2-8C0B-C5507B4B2088}" srcOrd="0" destOrd="0" presId="urn:microsoft.com/office/officeart/2005/8/layout/vList2"/>
-    <dgm:cxn modelId="{DF4231E5-94E4-4051-8BA4-70DA24BE02AE}" srcId="{B139C8CB-1037-480F-B7FE-1EE949F240B3}" destId="{E786FB4A-D5AE-47E9-9B47-2078CE76F805}" srcOrd="3" destOrd="0" parTransId="{2E2BB412-EA92-4C0A-9B20-0DBEC93A33BC}" sibTransId="{BFA01344-1B9C-4CE7-A845-C3962E971497}"/>
     <dgm:cxn modelId="{36082E8F-0D01-42B1-9E81-BEF1D1005431}" type="presOf" srcId="{79B86E32-5535-4CE8-A696-9A061C4BF197}" destId="{BD6740EE-807A-4D98-B21B-41BF13D15E5D}" srcOrd="0" destOrd="1" presId="urn:microsoft.com/office/officeart/2005/8/layout/vList2"/>
     <dgm:cxn modelId="{00960156-1169-4481-9B07-F8DE86E047D6}" srcId="{575270B3-0F53-4448-8224-29F73370B52E}" destId="{79B86E32-5535-4CE8-A696-9A061C4BF197}" srcOrd="1" destOrd="0" parTransId="{DDB9B5A3-3EE7-44F6-B12A-BC4F571B9BF1}" sibTransId="{FBA68E70-6AFA-44C0-81ED-F0746BC337AE}"/>
     <dgm:cxn modelId="{AC5552EC-7155-4A04-9D74-08500B7FDF8F}" type="presParOf" srcId="{61D470FD-3709-4BF2-8C0B-C5507B4B2088}" destId="{BA91EADA-3119-45FE-9E76-E2E86CF9130F}" srcOrd="0" destOrd="0" presId="urn:microsoft.com/office/officeart/2005/8/layout/vList2"/>
@@ -16455,16 +16431,7 @@
               </a:solidFill>
               <a:effectLst/>
             </a:rPr>
-            <a:t>모델 </a:t>
-          </a:r>
-          <a:r>
-            <a:rPr lang="ko-KR" altLang="en-US" sz="5800" b="0" kern="1200" dirty="0" smtClean="0">
-              <a:solidFill>
-                <a:schemeClr val="tx1"/>
-              </a:solidFill>
-              <a:effectLst/>
-            </a:rPr>
-            <a:t>검증</a:t>
+            <a:t>모델 검증</a:t>
           </a:r>
           <a:endParaRPr lang="ko-KR" altLang="en-US" sz="5800" b="0" kern="1200" dirty="0">
             <a:solidFill>
@@ -16967,22 +16934,7 @@
                 </a:outerShdw>
               </a:effectLst>
             </a:rPr>
-            <a:t>모델 </a:t>
-          </a:r>
-          <a:r>
-            <a:rPr lang="ko-KR" altLang="en-US" sz="5800" b="1" kern="1200" dirty="0" smtClean="0">
-              <a:solidFill>
-                <a:srgbClr val="FF0000"/>
-              </a:solidFill>
-              <a:effectLst>
-                <a:outerShdw blurRad="38100" dist="38100" dir="2700000" algn="tl">
-                  <a:srgbClr val="000000">
-                    <a:alpha val="43137"/>
-                  </a:srgbClr>
-                </a:outerShdw>
-              </a:effectLst>
-            </a:rPr>
-            <a:t>검증</a:t>
+            <a:t>모델 검증</a:t>
           </a:r>
           <a:endParaRPr lang="ko-KR" altLang="en-US" sz="5800" b="1" kern="1200" dirty="0">
             <a:solidFill>
@@ -34472,7 +34424,7 @@
             <a:fld id="{EC13577B-6902-467D-A26C-08A0DD5E4E03}" type="datetimeFigureOut">
               <a:rPr lang="en-US" altLang="ko-KR" smtClean="0"/>
               <a:pPr/>
-              <a:t>12/18/2015</a:t>
+              <a:t>12/21/2015</a:t>
             </a:fld>
             <a:endParaRPr lang="ko-KR" altLang="en-US" dirty="0"/>
           </a:p>
@@ -34916,7 +34868,7 @@
           <a:p>
             <a:fld id="{8BEEBAAA-29B5-4AF5-BC5F-7E580C29002D}" type="datetimeFigureOut">
               <a:rPr lang="en-US" smtClean="0"/>
-              <a:t>12/18/2015</a:t>
+              <a:t>12/21/2015</a:t>
             </a:fld>
             <a:endParaRPr lang="en-US"/>
           </a:p>
@@ -34974,13 +34926,6 @@
   <p:clrMapOvr>
     <a:masterClrMapping/>
   </p:clrMapOvr>
-  <p:timing>
-    <p:tnLst>
-      <p:par>
-        <p:cTn id="1" dur="indefinite" restart="never" nodeType="tmRoot"/>
-      </p:par>
-    </p:tnLst>
-  </p:timing>
 </p:sldLayout>
 </file>
 
@@ -35359,13 +35304,6 @@
   <p:clrMapOvr>
     <a:masterClrMapping/>
   </p:clrMapOvr>
-  <p:timing>
-    <p:tnLst>
-      <p:par>
-        <p:cTn id="1" dur="indefinite" restart="never" nodeType="tmRoot"/>
-      </p:par>
-    </p:tnLst>
-  </p:timing>
 </p:sldLayout>
 </file>
 
@@ -35683,13 +35621,6 @@
   <p:clrMapOvr>
     <a:masterClrMapping/>
   </p:clrMapOvr>
-  <p:timing>
-    <p:tnLst>
-      <p:par>
-        <p:cTn id="1" dur="indefinite" restart="never" nodeType="tmRoot"/>
-      </p:par>
-    </p:tnLst>
-  </p:timing>
 </p:sldLayout>
 </file>
 
@@ -35727,7 +35658,7 @@
           <a:p>
             <a:fld id="{8BEEBAAA-29B5-4AF5-BC5F-7E580C29002D}" type="datetimeFigureOut">
               <a:rPr lang="en-US" smtClean="0"/>
-              <a:t>12/18/2015</a:t>
+              <a:t>12/21/2015</a:t>
             </a:fld>
             <a:endParaRPr lang="en-US"/>
           </a:p>
@@ -36119,13 +36050,6 @@
   <p:clrMapOvr>
     <a:masterClrMapping/>
   </p:clrMapOvr>
-  <p:timing>
-    <p:tnLst>
-      <p:par>
-        <p:cTn id="1" dur="indefinite" restart="never" nodeType="tmRoot"/>
-      </p:par>
-    </p:tnLst>
-  </p:timing>
 </p:sldLayout>
 </file>
 
@@ -36284,7 +36208,7 @@
             <a:fld id="{8BEEBAAA-29B5-4AF5-BC5F-7E580C29002D}" type="datetimeFigureOut">
               <a:rPr lang="en-US" altLang="ko-KR" smtClean="0"/>
               <a:pPr/>
-              <a:t>12/18/2015</a:t>
+              <a:t>12/21/2015</a:t>
             </a:fld>
             <a:endParaRPr lang="ko-KR" altLang="en-US" dirty="0"/>
           </a:p>
@@ -36387,13 +36311,6 @@
     <p:sldLayoutId id="2147483664" r:id="rId3"/>
     <p:sldLayoutId id="2147483663" r:id="rId4"/>
   </p:sldLayoutIdLst>
-  <p:timing>
-    <p:tnLst>
-      <p:par>
-        <p:cTn id="1" dur="indefinite" restart="never" nodeType="tmRoot"/>
-      </p:par>
-    </p:tnLst>
-  </p:timing>
   <p:txStyles>
     <p:titleStyle>
       <a:lvl1pPr algn="l" defTabSz="914400" rtl="0" eaLnBrk="1" latinLnBrk="1" hangingPunct="1">
@@ -36821,13 +36738,6 @@
   <p:clrMapOvr>
     <a:masterClrMapping/>
   </p:clrMapOvr>
-  <p:timing>
-    <p:tnLst>
-      <p:par>
-        <p:cTn id="1" dur="indefinite" restart="never" nodeType="tmRoot"/>
-      </p:par>
-    </p:tnLst>
-  </p:timing>
 </p:sld>
 </file>
 
@@ -36951,13 +36861,6 @@
   <p:clrMapOvr>
     <a:masterClrMapping/>
   </p:clrMapOvr>
-  <p:timing>
-    <p:tnLst>
-      <p:par>
-        <p:cTn id="1" dur="indefinite" restart="never" nodeType="tmRoot"/>
-      </p:par>
-    </p:tnLst>
-  </p:timing>
 </p:sld>
 </file>
 
@@ -37085,13 +36988,6 @@
   <p:clrMapOvr>
     <a:masterClrMapping/>
   </p:clrMapOvr>
-  <p:timing>
-    <p:tnLst>
-      <p:par>
-        <p:cTn id="1" dur="indefinite" restart="never" nodeType="tmRoot"/>
-      </p:par>
-    </p:tnLst>
-  </p:timing>
 </p:sld>
 </file>
 
@@ -37219,13 +37115,6 @@
   <p:clrMapOvr>
     <a:masterClrMapping/>
   </p:clrMapOvr>
-  <p:timing>
-    <p:tnLst>
-      <p:par>
-        <p:cTn id="1" dur="indefinite" restart="never" nodeType="tmRoot"/>
-      </p:par>
-    </p:tnLst>
-  </p:timing>
 </p:sld>
 </file>
 
@@ -37349,13 +37238,6 @@
   <p:clrMapOvr>
     <a:masterClrMapping/>
   </p:clrMapOvr>
-  <p:timing>
-    <p:tnLst>
-      <p:par>
-        <p:cTn id="1" dur="indefinite" restart="never" nodeType="tmRoot"/>
-      </p:par>
-    </p:tnLst>
-  </p:timing>
 </p:sld>
 </file>
 
@@ -37481,13 +37363,6 @@
   <p:clrMapOvr>
     <a:masterClrMapping/>
   </p:clrMapOvr>
-  <p:timing>
-    <p:tnLst>
-      <p:par>
-        <p:cTn id="1" dur="indefinite" restart="never" nodeType="tmRoot"/>
-      </p:par>
-    </p:tnLst>
-  </p:timing>
 </p:sld>
 </file>
 
@@ -37907,13 +37782,6 @@
   <p:clrMapOvr>
     <a:masterClrMapping/>
   </p:clrMapOvr>
-  <p:timing>
-    <p:tnLst>
-      <p:par>
-        <p:cTn id="1" dur="indefinite" restart="never" nodeType="tmRoot"/>
-      </p:par>
-    </p:tnLst>
-  </p:timing>
 </p:sld>
 </file>
 
@@ -38347,13 +38215,6 @@
   <p:clrMapOvr>
     <a:masterClrMapping/>
   </p:clrMapOvr>
-  <p:timing>
-    <p:tnLst>
-      <p:par>
-        <p:cTn id="1" dur="indefinite" restart="never" nodeType="tmRoot"/>
-      </p:par>
-    </p:tnLst>
-  </p:timing>
 </p:sld>
 </file>
 
@@ -38479,13 +38340,6 @@
   <p:clrMapOvr>
     <a:masterClrMapping/>
   </p:clrMapOvr>
-  <p:timing>
-    <p:tnLst>
-      <p:par>
-        <p:cTn id="1" dur="indefinite" restart="never" nodeType="tmRoot"/>
-      </p:par>
-    </p:tnLst>
-  </p:timing>
 </p:sld>
 </file>
 
@@ -38610,13 +38464,6 @@
   <p:clrMapOvr>
     <a:masterClrMapping/>
   </p:clrMapOvr>
-  <p:timing>
-    <p:tnLst>
-      <p:par>
-        <p:cTn id="1" dur="indefinite" restart="never" nodeType="tmRoot"/>
-      </p:par>
-    </p:tnLst>
-  </p:timing>
 </p:sld>
 </file>
 
@@ -38742,13 +38589,6 @@
   <p:clrMapOvr>
     <a:masterClrMapping/>
   </p:clrMapOvr>
-  <p:timing>
-    <p:tnLst>
-      <p:par>
-        <p:cTn id="1" dur="indefinite" restart="never" nodeType="tmRoot"/>
-      </p:par>
-    </p:tnLst>
-  </p:timing>
 </p:sld>
 </file>
 
@@ -38874,13 +38714,6 @@
   <p:clrMapOvr>
     <a:masterClrMapping/>
   </p:clrMapOvr>
-  <p:timing>
-    <p:tnLst>
-      <p:par>
-        <p:cTn id="1" dur="indefinite" restart="never" nodeType="tmRoot"/>
-      </p:par>
-    </p:tnLst>
-  </p:timing>
 </p:sld>
 </file>
 
@@ -39006,13 +38839,6 @@
   <p:clrMapOvr>
     <a:masterClrMapping/>
   </p:clrMapOvr>
-  <p:timing>
-    <p:tnLst>
-      <p:par>
-        <p:cTn id="1" dur="indefinite" restart="never" nodeType="tmRoot"/>
-      </p:par>
-    </p:tnLst>
-  </p:timing>
 </p:sld>
 </file>
 
@@ -39451,7 +39277,41 @@
                 <a:latin typeface="나눔고딕코딩" panose="020D0009000000000000" pitchFamily="49" charset="-127"/>
                 <a:ea typeface="나눔고딕코딩" panose="020D0009000000000000" pitchFamily="49" charset="-127"/>
               </a:rPr>
-              <a:t>에 가장 영향력이 있는 설명 변수를 찾아서 더 간단한 모델을 개선하라</a:t>
+              <a:t>에 가장 영향력이 있는 설명 변수를 찾아서 더 </a:t>
+            </a:r>
+            <a:r>
+              <a:rPr lang="ko-KR" altLang="en-US" sz="2400" b="1" smtClean="0">
+                <a:solidFill>
+                  <a:schemeClr val="bg1"/>
+                </a:solidFill>
+                <a:effectLst>
+                  <a:outerShdw blurRad="38100" dist="38100" dir="2700000" algn="tl">
+                    <a:srgbClr val="000000">
+                      <a:alpha val="43137"/>
+                    </a:srgbClr>
+                  </a:outerShdw>
+                </a:effectLst>
+                <a:latin typeface="나눔고딕코딩" panose="020D0009000000000000" pitchFamily="49" charset="-127"/>
+                <a:ea typeface="나눔고딕코딩" panose="020D0009000000000000" pitchFamily="49" charset="-127"/>
+              </a:rPr>
+              <a:t>간단한 모델로 </a:t>
+            </a:r>
+            <a:r>
+              <a:rPr lang="ko-KR" altLang="en-US" sz="2400" b="1" dirty="0" smtClean="0">
+                <a:solidFill>
+                  <a:schemeClr val="bg1"/>
+                </a:solidFill>
+                <a:effectLst>
+                  <a:outerShdw blurRad="38100" dist="38100" dir="2700000" algn="tl">
+                    <a:srgbClr val="000000">
+                      <a:alpha val="43137"/>
+                    </a:srgbClr>
+                  </a:outerShdw>
+                </a:effectLst>
+                <a:latin typeface="나눔고딕코딩" panose="020D0009000000000000" pitchFamily="49" charset="-127"/>
+                <a:ea typeface="나눔고딕코딩" panose="020D0009000000000000" pitchFamily="49" charset="-127"/>
+              </a:rPr>
+              <a:t>개선하라</a:t>
             </a:r>
             <a:r>
               <a:rPr lang="en-US" altLang="ko-KR" sz="2400" b="1" dirty="0" smtClean="0">
@@ -39597,13 +39457,6 @@
   <p:clrMapOvr>
     <a:masterClrMapping/>
   </p:clrMapOvr>
-  <p:timing>
-    <p:tnLst>
-      <p:par>
-        <p:cTn id="1" dur="indefinite" restart="never" nodeType="tmRoot"/>
-      </p:par>
-    </p:tnLst>
-  </p:timing>
 </p:sld>
 </file>
 
@@ -40344,13 +40197,6 @@
   <p:clrMapOvr>
     <a:masterClrMapping/>
   </p:clrMapOvr>
-  <p:timing>
-    <p:tnLst>
-      <p:par>
-        <p:cTn id="1" dur="indefinite" restart="never" nodeType="tmRoot"/>
-      </p:par>
-    </p:tnLst>
-  </p:timing>
 </p:sld>
 </file>
 
@@ -40467,13 +40313,6 @@
   <p:clrMapOvr>
     <a:masterClrMapping/>
   </p:clrMapOvr>
-  <p:timing>
-    <p:tnLst>
-      <p:par>
-        <p:cTn id="1" dur="indefinite" restart="never" nodeType="tmRoot"/>
-      </p:par>
-    </p:tnLst>
-  </p:timing>
 </p:sld>
 </file>
 
@@ -40599,13 +40438,6 @@
   <p:clrMapOvr>
     <a:masterClrMapping/>
   </p:clrMapOvr>
-  <p:timing>
-    <p:tnLst>
-      <p:par>
-        <p:cTn id="1" dur="indefinite" restart="never" nodeType="tmRoot"/>
-      </p:par>
-    </p:tnLst>
-  </p:timing>
 </p:sld>
 </file>
 
@@ -41079,13 +40911,6 @@
   <p:clrMapOvr>
     <a:masterClrMapping/>
   </p:clrMapOvr>
-  <p:timing>
-    <p:tnLst>
-      <p:par>
-        <p:cTn id="1" dur="indefinite" restart="never" nodeType="tmRoot"/>
-      </p:par>
-    </p:tnLst>
-  </p:timing>
 </p:sld>
 </file>
 
@@ -41211,13 +41036,6 @@
   <p:clrMapOvr>
     <a:masterClrMapping/>
   </p:clrMapOvr>
-  <p:timing>
-    <p:tnLst>
-      <p:par>
-        <p:cTn id="1" dur="indefinite" restart="never" nodeType="tmRoot"/>
-      </p:par>
-    </p:tnLst>
-  </p:timing>
 </p:sld>
 </file>
 
@@ -41300,13 +41118,6 @@
   <p:clrMapOvr>
     <a:masterClrMapping/>
   </p:clrMapOvr>
-  <p:timing>
-    <p:tnLst>
-      <p:par>
-        <p:cTn id="1" dur="indefinite" restart="never" nodeType="tmRoot"/>
-      </p:par>
-    </p:tnLst>
-  </p:timing>
 </p:sld>
 </file>
 
@@ -41555,7 +41366,7 @@
           <a:graphicData uri="http://schemas.openxmlformats.org/presentationml/2006/ole">
             <mc:AlternateContent xmlns:mc="http://schemas.openxmlformats.org/markup-compatibility/2006">
               <mc:Choice xmlns:v="urn:schemas-microsoft-com:vml" Requires="v">
-                <p:oleObj spid="_x0000_s2077" name="Formula" r:id="rId4" imgW="819360" imgH="171720" progId="Equation.Ribbit">
+                <p:oleObj spid="_x0000_s2082" name="Formula" r:id="rId4" imgW="819360" imgH="171720" progId="Equation.Ribbit">
                   <p:embed/>
                 </p:oleObj>
               </mc:Choice>
@@ -41951,13 +41762,6 @@
   <p:clrMapOvr>
     <a:masterClrMapping/>
   </p:clrMapOvr>
-  <p:timing>
-    <p:tnLst>
-      <p:par>
-        <p:cTn id="1" dur="indefinite" restart="never" nodeType="tmRoot"/>
-      </p:par>
-    </p:tnLst>
-  </p:timing>
 </p:sld>
 </file>
 
@@ -42260,13 +42064,6 @@
   <p:clrMapOvr>
     <a:masterClrMapping/>
   </p:clrMapOvr>
-  <p:timing>
-    <p:tnLst>
-      <p:par>
-        <p:cTn id="1" dur="indefinite" restart="never" nodeType="tmRoot"/>
-      </p:par>
-    </p:tnLst>
-  </p:timing>
 </p:sld>
 </file>
 
@@ -42423,102 +42220,6 @@
           </a:p>
         </p:txBody>
       </p:sp>
-      <p:sp>
-        <p:nvSpPr>
-          <p:cNvPr id="4" name="직사각형 3"/>
-          <p:cNvSpPr/>
-          <p:nvPr/>
-        </p:nvSpPr>
-        <p:spPr>
-          <a:xfrm>
-            <a:off x="512919" y="2666842"/>
-            <a:ext cx="6005113" cy="676481"/>
-          </a:xfrm>
-          <a:prstGeom prst="rect">
-            <a:avLst/>
-          </a:prstGeom>
-          <a:ln/>
-        </p:spPr>
-        <p:style>
-          <a:lnRef idx="2">
-            <a:schemeClr val="accent5"/>
-          </a:lnRef>
-          <a:fillRef idx="1">
-            <a:schemeClr val="lt1"/>
-          </a:fillRef>
-          <a:effectRef idx="0">
-            <a:schemeClr val="accent5"/>
-          </a:effectRef>
-          <a:fontRef idx="minor">
-            <a:schemeClr val="dk1"/>
-          </a:fontRef>
-        </p:style>
-        <p:txBody>
-          <a:bodyPr rtlCol="0" anchor="ctr"/>
-          <a:lstStyle/>
-          <a:p>
-            <a:pPr algn="ctr"/>
-            <a:r>
-              <a:rPr lang="ko-KR" altLang="en-US" sz="3200" dirty="0" smtClean="0">
-                <a:latin typeface="나눔고딕코딩" panose="020D0009000000000000" pitchFamily="49" charset="-127"/>
-                <a:ea typeface="나눔고딕코딩" panose="020D0009000000000000" pitchFamily="49" charset="-127"/>
-              </a:rPr>
-              <a:t>샘플 데이터를 다운 받는다</a:t>
-            </a:r>
-            <a:r>
-              <a:rPr lang="en-US" altLang="ko-KR" sz="3200" dirty="0" smtClean="0">
-                <a:latin typeface="나눔고딕코딩" panose="020D0009000000000000" pitchFamily="49" charset="-127"/>
-                <a:ea typeface="나눔고딕코딩" panose="020D0009000000000000" pitchFamily="49" charset="-127"/>
-              </a:rPr>
-              <a:t>.</a:t>
-            </a:r>
-          </a:p>
-        </p:txBody>
-      </p:sp>
-      <p:sp>
-        <p:nvSpPr>
-          <p:cNvPr id="5" name="직사각형 4"/>
-          <p:cNvSpPr/>
-          <p:nvPr/>
-        </p:nvSpPr>
-        <p:spPr>
-          <a:xfrm>
-            <a:off x="512917" y="3450159"/>
-            <a:ext cx="6005113" cy="676481"/>
-          </a:xfrm>
-          <a:prstGeom prst="rect">
-            <a:avLst/>
-          </a:prstGeom>
-          <a:ln/>
-        </p:spPr>
-        <p:style>
-          <a:lnRef idx="2">
-            <a:schemeClr val="accent5"/>
-          </a:lnRef>
-          <a:fillRef idx="1">
-            <a:schemeClr val="lt1"/>
-          </a:fillRef>
-          <a:effectRef idx="0">
-            <a:schemeClr val="accent5"/>
-          </a:effectRef>
-          <a:fontRef idx="minor">
-            <a:schemeClr val="dk1"/>
-          </a:fontRef>
-        </p:style>
-        <p:txBody>
-          <a:bodyPr rtlCol="0" anchor="ctr"/>
-          <a:lstStyle/>
-          <a:p>
-            <a:endParaRPr lang="ko-KR" altLang="en-US" sz="3200" b="1" dirty="0">
-              <a:solidFill>
-                <a:srgbClr val="FF0000"/>
-              </a:solidFill>
-              <a:latin typeface="나눔고딕코딩" panose="020D0009000000000000" pitchFamily="49" charset="-127"/>
-              <a:ea typeface="나눔고딕코딩" panose="020D0009000000000000" pitchFamily="49" charset="-127"/>
-            </a:endParaRPr>
-          </a:p>
-        </p:txBody>
-      </p:sp>
     </p:spTree>
     <p:extLst>
       <p:ext uri="{BB962C8B-B14F-4D97-AF65-F5344CB8AC3E}">
@@ -42529,13 +42230,6 @@
   <p:clrMapOvr>
     <a:masterClrMapping/>
   </p:clrMapOvr>
-  <p:timing>
-    <p:tnLst>
-      <p:par>
-        <p:cTn id="1" dur="indefinite" restart="never" nodeType="tmRoot"/>
-      </p:par>
-    </p:tnLst>
-  </p:timing>
 </p:sld>
 </file>
 
@@ -42655,7 +42349,7 @@
           <a:graphicData uri="http://schemas.openxmlformats.org/presentationml/2006/ole">
             <mc:AlternateContent xmlns:mc="http://schemas.openxmlformats.org/markup-compatibility/2006">
               <mc:Choice xmlns:v="urn:schemas-microsoft-com:vml" Requires="v">
-                <p:oleObj spid="_x0000_s3100" name="Formula" r:id="rId3" imgW="1378080" imgH="171720" progId="Equation.Ribbit">
+                <p:oleObj spid="_x0000_s3105" name="Formula" r:id="rId3" imgW="1378080" imgH="171720" progId="Equation.Ribbit">
                   <p:embed/>
                 </p:oleObj>
               </mc:Choice>
@@ -42914,13 +42608,6 @@
   <p:clrMapOvr>
     <a:masterClrMapping/>
   </p:clrMapOvr>
-  <p:timing>
-    <p:tnLst>
-      <p:par>
-        <p:cTn id="1" dur="indefinite" restart="never" nodeType="tmRoot"/>
-      </p:par>
-    </p:tnLst>
-  </p:timing>
 </p:sld>
 </file>
 
@@ -43165,13 +42852,6 @@
   <p:clrMapOvr>
     <a:masterClrMapping/>
   </p:clrMapOvr>
-  <p:timing>
-    <p:tnLst>
-      <p:par>
-        <p:cTn id="1" dur="indefinite" restart="never" nodeType="tmRoot"/>
-      </p:par>
-    </p:tnLst>
-  </p:timing>
 </p:sld>
 </file>
 
@@ -43550,21 +43230,7 @@
                 <a:latin typeface="나눔고딕코딩" panose="020D0009000000000000" pitchFamily="49" charset="-127"/>
                 <a:ea typeface="나눔고딕코딩" panose="020D0009000000000000" pitchFamily="49" charset="-127"/>
               </a:rPr>
-              <a:t>늙은 사람과 젊은 사람을 구분해서 </a:t>
-            </a:r>
-            <a:r>
-              <a:rPr lang="ko-KR" altLang="en-US" sz="2400" b="1" dirty="0" smtClean="0">
-                <a:latin typeface="나눔고딕코딩" panose="020D0009000000000000" pitchFamily="49" charset="-127"/>
-                <a:ea typeface="나눔고딕코딩" panose="020D0009000000000000" pitchFamily="49" charset="-127"/>
-              </a:rPr>
-              <a:t>해석해야 할 </a:t>
-            </a:r>
-            <a:r>
-              <a:rPr lang="ko-KR" altLang="en-US" sz="2400" b="1" dirty="0" smtClean="0">
-                <a:latin typeface="나눔고딕코딩" panose="020D0009000000000000" pitchFamily="49" charset="-127"/>
-                <a:ea typeface="나눔고딕코딩" panose="020D0009000000000000" pitchFamily="49" charset="-127"/>
-              </a:rPr>
-              <a:t>뚜렷한 증거가 없다</a:t>
+              <a:t>늙은 사람과 젊은 사람을 구분해서 해석해야 할 뚜렷한 증거가 없다</a:t>
             </a:r>
             <a:r>
               <a:rPr lang="en-US" altLang="ko-KR" sz="2400" b="1" dirty="0" smtClean="0">
@@ -43637,13 +43303,6 @@
   <p:clrMapOvr>
     <a:masterClrMapping/>
   </p:clrMapOvr>
-  <p:timing>
-    <p:tnLst>
-      <p:par>
-        <p:cTn id="1" dur="indefinite" restart="never" nodeType="tmRoot"/>
-      </p:par>
-    </p:tnLst>
-  </p:timing>
 </p:sld>
 </file>
 
@@ -43773,7 +43432,7 @@
         <p:spPr>
           <a:xfrm>
             <a:off x="2150076" y="5383426"/>
-            <a:ext cx="5631634" cy="526204"/>
+            <a:ext cx="9403492" cy="526204"/>
           </a:xfrm>
           <a:prstGeom prst="rect">
             <a:avLst/>
@@ -43827,27 +43486,7 @@
                 <a:latin typeface="나눔고딕코딩" panose="020D0009000000000000" pitchFamily="49" charset="-127"/>
                 <a:ea typeface="나눔고딕코딩" panose="020D0009000000000000" pitchFamily="49" charset="-127"/>
               </a:rPr>
-              <a:t>이라는 </a:t>
-            </a:r>
-            <a:r>
-              <a:rPr lang="ko-KR" altLang="en-US" sz="2400" b="1" dirty="0" err="1" smtClean="0">
-                <a:solidFill>
-                  <a:schemeClr val="bg1"/>
-                </a:solidFill>
-                <a:latin typeface="나눔고딕코딩" panose="020D0009000000000000" pitchFamily="49" charset="-127"/>
-                <a:ea typeface="나눔고딕코딩" panose="020D0009000000000000" pitchFamily="49" charset="-127"/>
-              </a:rPr>
-              <a:t>귀무가설을</a:t>
-            </a:r>
-            <a:r>
-              <a:rPr lang="ko-KR" altLang="en-US" sz="2400" b="1" dirty="0" smtClean="0">
-                <a:solidFill>
-                  <a:schemeClr val="bg1"/>
-                </a:solidFill>
-                <a:latin typeface="나눔고딕코딩" panose="020D0009000000000000" pitchFamily="49" charset="-127"/>
-                <a:ea typeface="나눔고딕코딩" panose="020D0009000000000000" pitchFamily="49" charset="-127"/>
-              </a:rPr>
-              <a:t> 기각한다</a:t>
+              <a:t>인 경우와 원래의 모델이 통계적으로 유의미하게 다르다</a:t>
             </a:r>
             <a:r>
               <a:rPr lang="en-US" altLang="ko-KR" sz="2400" b="1" dirty="0" smtClean="0">
@@ -43928,11 +43567,11 @@
         <p:spPr>
           <a:xfrm>
             <a:off x="7510589" y="4700751"/>
-            <a:ext cx="271121" cy="945777"/>
+            <a:ext cx="4042979" cy="945777"/>
           </a:xfrm>
           <a:prstGeom prst="bentConnector3">
             <a:avLst>
-              <a:gd name="adj1" fmla="val 184317"/>
+              <a:gd name="adj1" fmla="val 105654"/>
             </a:avLst>
           </a:prstGeom>
           <a:ln>
@@ -44096,6 +43735,81 @@
           </a:prstGeom>
         </p:spPr>
       </p:pic>
+      <p:sp>
+        <p:nvSpPr>
+          <p:cNvPr id="14" name="직사각형 13"/>
+          <p:cNvSpPr/>
+          <p:nvPr/>
+        </p:nvSpPr>
+        <p:spPr>
+          <a:xfrm>
+            <a:off x="2150076" y="5970360"/>
+            <a:ext cx="9403492" cy="526204"/>
+          </a:xfrm>
+          <a:prstGeom prst="rect">
+            <a:avLst/>
+          </a:prstGeom>
+          <a:ln/>
+        </p:spPr>
+        <p:style>
+          <a:lnRef idx="0">
+            <a:schemeClr val="accent5"/>
+          </a:lnRef>
+          <a:fillRef idx="3">
+            <a:schemeClr val="accent5"/>
+          </a:fillRef>
+          <a:effectRef idx="3">
+            <a:schemeClr val="accent5"/>
+          </a:effectRef>
+          <a:fontRef idx="minor">
+            <a:schemeClr val="lt1"/>
+          </a:fontRef>
+        </p:style>
+        <p:txBody>
+          <a:bodyPr rtlCol="0" anchor="ctr"/>
+          <a:lstStyle/>
+          <a:p>
+            <a:pPr algn="ctr"/>
+            <a:r>
+              <a:rPr lang="ko-KR" altLang="en-US" sz="2400" b="1" dirty="0" smtClean="0">
+                <a:solidFill>
+                  <a:schemeClr val="bg1"/>
+                </a:solidFill>
+                <a:latin typeface="나눔고딕코딩" panose="020D0009000000000000" pitchFamily="49" charset="-127"/>
+                <a:ea typeface="나눔고딕코딩" panose="020D0009000000000000" pitchFamily="49" charset="-127"/>
+              </a:rPr>
+              <a:t>원 모델보다 </a:t>
+            </a:r>
+            <a:r>
+              <a:rPr lang="ko-KR" altLang="en-US" sz="2400" b="1" dirty="0" smtClean="0">
+                <a:solidFill>
+                  <a:schemeClr val="bg1"/>
+                </a:solidFill>
+                <a:latin typeface="나눔고딕코딩" panose="020D0009000000000000" pitchFamily="49" charset="-127"/>
+                <a:ea typeface="나눔고딕코딩" panose="020D0009000000000000" pitchFamily="49" charset="-127"/>
+              </a:rPr>
+              <a:t>설명력이 개선되었는가</a:t>
+            </a:r>
+            <a:r>
+              <a:rPr lang="en-US" altLang="ko-KR" sz="2400" b="1" dirty="0" smtClean="0">
+                <a:solidFill>
+                  <a:schemeClr val="bg1"/>
+                </a:solidFill>
+                <a:latin typeface="나눔고딕코딩" panose="020D0009000000000000" pitchFamily="49" charset="-127"/>
+                <a:ea typeface="나눔고딕코딩" panose="020D0009000000000000" pitchFamily="49" charset="-127"/>
+              </a:rPr>
+              <a:t>?</a:t>
+            </a:r>
+            <a:endParaRPr lang="ko-KR" altLang="en-US" sz="2400" b="1" dirty="0">
+              <a:solidFill>
+                <a:schemeClr val="bg1"/>
+              </a:solidFill>
+              <a:latin typeface="나눔고딕코딩" panose="020D0009000000000000" pitchFamily="49" charset="-127"/>
+              <a:ea typeface="나눔고딕코딩" panose="020D0009000000000000" pitchFamily="49" charset="-127"/>
+            </a:endParaRPr>
+          </a:p>
+        </p:txBody>
+      </p:sp>
     </p:spTree>
     <p:extLst>
       <p:ext uri="{BB962C8B-B14F-4D97-AF65-F5344CB8AC3E}">
@@ -44106,13 +43820,6 @@
   <p:clrMapOvr>
     <a:masterClrMapping/>
   </p:clrMapOvr>
-  <p:timing>
-    <p:tnLst>
-      <p:par>
-        <p:cTn id="1" dur="indefinite" restart="never" nodeType="tmRoot"/>
-      </p:par>
-    </p:tnLst>
-  </p:timing>
 </p:sld>
 </file>
 
@@ -44238,13 +43945,6 @@
   <p:clrMapOvr>
     <a:masterClrMapping/>
   </p:clrMapOvr>
-  <p:timing>
-    <p:tnLst>
-      <p:par>
-        <p:cTn id="1" dur="indefinite" restart="never" nodeType="tmRoot"/>
-      </p:par>
-    </p:tnLst>
-  </p:timing>
 </p:sld>
 </file>
 
@@ -44744,13 +44444,6 @@
   <p:clrMapOvr>
     <a:masterClrMapping/>
   </p:clrMapOvr>
-  <p:timing>
-    <p:tnLst>
-      <p:par>
-        <p:cTn id="1" dur="indefinite" restart="never" nodeType="tmRoot"/>
-      </p:par>
-    </p:tnLst>
-  </p:timing>
 </p:sld>
 </file>
 
@@ -44855,13 +44548,6 @@
   <p:clrMapOvr>
     <a:masterClrMapping/>
   </p:clrMapOvr>
-  <p:timing>
-    <p:tnLst>
-      <p:par>
-        <p:cTn id="1" dur="indefinite" restart="never" nodeType="tmRoot"/>
-      </p:par>
-    </p:tnLst>
-  </p:timing>
 </p:sld>
 </file>
 
@@ -44987,13 +44673,6 @@
   <p:clrMapOvr>
     <a:masterClrMapping/>
   </p:clrMapOvr>
-  <p:timing>
-    <p:tnLst>
-      <p:par>
-        <p:cTn id="1" dur="indefinite" restart="never" nodeType="tmRoot"/>
-      </p:par>
-    </p:tnLst>
-  </p:timing>
 </p:sld>
 </file>
 
@@ -45561,7 +45240,7 @@
           <a:graphicData uri="http://schemas.openxmlformats.org/presentationml/2006/ole">
             <mc:AlternateContent xmlns:mc="http://schemas.openxmlformats.org/markup-compatibility/2006">
               <mc:Choice xmlns:v="urn:schemas-microsoft-com:vml" Requires="v">
-                <p:oleObj spid="_x0000_s1066" name="Formula" r:id="rId7" imgW="874080" imgH="194400" progId="Equation.Ribbit">
+                <p:oleObj spid="_x0000_s1071" name="Formula" r:id="rId7" imgW="874080" imgH="194400" progId="Equation.Ribbit">
                   <p:embed/>
                 </p:oleObj>
               </mc:Choice>
@@ -45606,13 +45285,6 @@
   <p:clrMapOvr>
     <a:masterClrMapping/>
   </p:clrMapOvr>
-  <p:timing>
-    <p:tnLst>
-      <p:par>
-        <p:cTn id="1" dur="indefinite" restart="never" nodeType="tmRoot"/>
-      </p:par>
-    </p:tnLst>
-  </p:timing>
 </p:sld>
 </file>
 
@@ -46076,13 +45748,6 @@
   <p:clrMapOvr>
     <a:masterClrMapping/>
   </p:clrMapOvr>
-  <p:timing>
-    <p:tnLst>
-      <p:par>
-        <p:cTn id="1" dur="indefinite" restart="never" nodeType="tmRoot"/>
-      </p:par>
-    </p:tnLst>
-  </p:timing>
 </p:sld>
 </file>
 
@@ -46683,13 +46348,6 @@
   <p:clrMapOvr>
     <a:masterClrMapping/>
   </p:clrMapOvr>
-  <p:timing>
-    <p:tnLst>
-      <p:par>
-        <p:cTn id="1" dur="indefinite" restart="never" nodeType="tmRoot"/>
-      </p:par>
-    </p:tnLst>
-  </p:timing>
 </p:sld>
 </file>
 
@@ -46815,13 +46473,6 @@
   <p:clrMapOvr>
     <a:masterClrMapping/>
   </p:clrMapOvr>
-  <p:timing>
-    <p:tnLst>
-      <p:par>
-        <p:cTn id="1" dur="indefinite" restart="never" nodeType="tmRoot"/>
-      </p:par>
-    </p:tnLst>
-  </p:timing>
 </p:sld>
 </file>
 
@@ -46947,13 +46598,6 @@
   <p:clrMapOvr>
     <a:masterClrMapping/>
   </p:clrMapOvr>
-  <p:timing>
-    <p:tnLst>
-      <p:par>
-        <p:cTn id="1" dur="indefinite" restart="never" nodeType="tmRoot"/>
-      </p:par>
-    </p:tnLst>
-  </p:timing>
 </p:sld>
 </file>
 
